--- a/Presentation.pptx
+++ b/Presentation.pptx
@@ -1097,17 +1097,6 @@
           <a:bodyPr/>
           <a:lstStyle/>
           <a:p>
-            <a:r>
-              <a:rPr lang="EN-US"/>
-              <a:t>Existing system</a:t>
-            </a:r>
-            <a:endParaRPr lang="en-US"/>
-          </a:p>
-          <a:p>
-            <a:r>
-              <a:rPr lang="EN-US"/>
-              <a:t>Web interface – badly scaled to tablets</a:t>
-            </a:r>
             <a:endParaRPr lang="en-US"/>
           </a:p>
         </p:txBody>
@@ -5658,8 +5647,8 @@
           </a:stretch>
         </p:blipFill>
         <p:spPr>
-          <a:xfrm>
-            <a:off x="0" y="104775"/>
+          <a:xfrm rot="-120000">
+            <a:off x="0" y="809625"/>
             <a:ext cx="12169482" cy="5464388"/>
           </a:xfrm>
           <a:prstGeom prst="rect">

--- a/Presentation.pptx
+++ b/Presentation.pptx
@@ -203,7 +203,7 @@
           <a:p>
             <a:fld id="{75055244-59DF-4664-B53E-354A381988AB}" type="datetimeFigureOut">
               <a:rPr lang="en-US"/>
-              <a:t>11/22/2016</a:t>
+              <a:t>11/23/2016</a:t>
             </a:fld>
             <a:endParaRPr lang="en-US"/>
           </a:p>
@@ -1359,7 +1359,7 @@
           <a:p>
             <a:fld id="{C9148C92-BB90-4B0D-BF74-0C1CE30113CC}" type="datetimeFigureOut">
               <a:rPr lang="en-GB" smtClean="0"/>
-              <a:t>22/11/2016</a:t>
+              <a:t>23/11/2016</a:t>
             </a:fld>
             <a:endParaRPr lang="en-GB"/>
           </a:p>
@@ -1527,7 +1527,7 @@
           <a:p>
             <a:fld id="{C9148C92-BB90-4B0D-BF74-0C1CE30113CC}" type="datetimeFigureOut">
               <a:rPr lang="en-GB" smtClean="0"/>
-              <a:t>22/11/2016</a:t>
+              <a:t>23/11/2016</a:t>
             </a:fld>
             <a:endParaRPr lang="en-GB"/>
           </a:p>
@@ -1705,7 +1705,7 @@
           <a:p>
             <a:fld id="{C9148C92-BB90-4B0D-BF74-0C1CE30113CC}" type="datetimeFigureOut">
               <a:rPr lang="en-GB" smtClean="0"/>
-              <a:t>22/11/2016</a:t>
+              <a:t>23/11/2016</a:t>
             </a:fld>
             <a:endParaRPr lang="en-GB"/>
           </a:p>
@@ -1873,7 +1873,7 @@
           <a:p>
             <a:fld id="{C9148C92-BB90-4B0D-BF74-0C1CE30113CC}" type="datetimeFigureOut">
               <a:rPr lang="en-GB" smtClean="0"/>
-              <a:t>22/11/2016</a:t>
+              <a:t>23/11/2016</a:t>
             </a:fld>
             <a:endParaRPr lang="en-GB"/>
           </a:p>
@@ -2130,7 +2130,7 @@
           <a:p>
             <a:fld id="{C9148C92-BB90-4B0D-BF74-0C1CE30113CC}" type="datetimeFigureOut">
               <a:rPr lang="en-GB" smtClean="0"/>
-              <a:t>22/11/2016</a:t>
+              <a:t>23/11/2016</a:t>
             </a:fld>
             <a:endParaRPr lang="en-GB"/>
           </a:p>
@@ -2415,7 +2415,7 @@
           <a:p>
             <a:fld id="{C9148C92-BB90-4B0D-BF74-0C1CE30113CC}" type="datetimeFigureOut">
               <a:rPr lang="en-GB" smtClean="0"/>
-              <a:t>22/11/2016</a:t>
+              <a:t>23/11/2016</a:t>
             </a:fld>
             <a:endParaRPr lang="en-GB"/>
           </a:p>
@@ -2854,7 +2854,7 @@
           <a:p>
             <a:fld id="{C9148C92-BB90-4B0D-BF74-0C1CE30113CC}" type="datetimeFigureOut">
               <a:rPr lang="en-GB" smtClean="0"/>
-              <a:t>22/11/2016</a:t>
+              <a:t>23/11/2016</a:t>
             </a:fld>
             <a:endParaRPr lang="en-GB"/>
           </a:p>
@@ -2971,7 +2971,7 @@
           <a:p>
             <a:fld id="{C9148C92-BB90-4B0D-BF74-0C1CE30113CC}" type="datetimeFigureOut">
               <a:rPr lang="en-GB" smtClean="0"/>
-              <a:t>22/11/2016</a:t>
+              <a:t>23/11/2016</a:t>
             </a:fld>
             <a:endParaRPr lang="en-GB"/>
           </a:p>
@@ -3066,7 +3066,7 @@
           <a:p>
             <a:fld id="{C9148C92-BB90-4B0D-BF74-0C1CE30113CC}" type="datetimeFigureOut">
               <a:rPr lang="en-GB" smtClean="0"/>
-              <a:t>22/11/2016</a:t>
+              <a:t>23/11/2016</a:t>
             </a:fld>
             <a:endParaRPr lang="en-GB"/>
           </a:p>
@@ -3352,7 +3352,7 @@
           <a:p>
             <a:fld id="{C9148C92-BB90-4B0D-BF74-0C1CE30113CC}" type="datetimeFigureOut">
               <a:rPr lang="en-GB" smtClean="0"/>
-              <a:t>22/11/2016</a:t>
+              <a:t>23/11/2016</a:t>
             </a:fld>
             <a:endParaRPr lang="en-GB"/>
           </a:p>
@@ -3623,7 +3623,7 @@
           <a:p>
             <a:fld id="{C9148C92-BB90-4B0D-BF74-0C1CE30113CC}" type="datetimeFigureOut">
               <a:rPr lang="en-GB" smtClean="0"/>
-              <a:t>22/11/2016</a:t>
+              <a:t>23/11/2016</a:t>
             </a:fld>
             <a:endParaRPr lang="en-GB"/>
           </a:p>
@@ -3918,7 +3918,7 @@
           <a:p>
             <a:fld id="{C9148C92-BB90-4B0D-BF74-0C1CE30113CC}" type="datetimeFigureOut">
               <a:rPr lang="en-GB" smtClean="0"/>
-              <a:t>22/11/2016</a:t>
+              <a:t>23/11/2016</a:t>
             </a:fld>
             <a:endParaRPr lang="en-GB"/>
           </a:p>
@@ -5647,7 +5647,7 @@
           </a:stretch>
         </p:blipFill>
         <p:spPr>
-          <a:xfrm rot="-120000">
+          <a:xfrm>
             <a:off x="0" y="809625"/>
             <a:ext cx="12169482" cy="5464388"/>
           </a:xfrm>

--- a/Presentation.pptx
+++ b/Presentation.pptx
@@ -913,21 +913,50 @@
           <a:lstStyle/>
           <a:p>
             <a:r>
-              <a:rPr lang="EN-US"/>
+              <a:rPr lang="EN-US" dirty="0"/>
               <a:t>- Model  for classifying software quality attributes</a:t>
             </a:r>
           </a:p>
           <a:p>
             <a:r>
-              <a:rPr lang="EN-US"/>
+              <a:rPr lang="EN-US" dirty="0"/>
               <a:t>- Human factor; the system should be built to work perfectly for low knowledge users and be easily understandable for anyone.</a:t>
             </a:r>
-            <a:endParaRPr lang="en-US"/>
-          </a:p>
-          <a:p>
-            <a:r>
-              <a:rPr lang="EN-US"/>
-              <a:t>- We tried to leveling the requirements in order to develop the system in a equally way in all requirements needed.</a:t>
+            <a:endParaRPr lang="en-US" dirty="0"/>
+          </a:p>
+          <a:p>
+            <a:pPr marL="171450" indent="-171450">
+              <a:buFontTx/>
+              <a:buChar char="-"/>
+            </a:pPr>
+            <a:r>
+              <a:rPr lang="EN-US" dirty="0"/>
+              <a:t>We tried to leveling the requirements in order to develop the system in a equally way in all requirements needed.</a:t>
+            </a:r>
+          </a:p>
+          <a:p>
+            <a:pPr marL="171450" indent="-171450">
+              <a:buFontTx/>
+              <a:buChar char="-"/>
+            </a:pPr>
+            <a:endParaRPr lang="en-US" dirty="0"/>
+          </a:p>
+          <a:p>
+            <a:pPr marL="171450" indent="-171450">
+              <a:buFontTx/>
+              <a:buChar char="-"/>
+            </a:pPr>
+            <a:r>
+              <a:rPr lang="en-US" dirty="0"/>
+              <a:t>Legal</a:t>
+            </a:r>
+            <a:r>
+              <a:rPr lang="en-US" baseline="0" dirty="0"/>
+              <a:t>: Hosted under </a:t>
+            </a:r>
+            <a:r>
+              <a:rPr lang="en-US" baseline="0"/>
+              <a:t>MIT license</a:t>
             </a:r>
             <a:endParaRPr lang="en-US"/>
           </a:p>
